--- a/_posts/ithome/2021/16.Stacking/16.Stacking.pptx
+++ b/_posts/ithome/2021/16.Stacking/16.Stacking.pptx
@@ -6,6 +6,7 @@
   </p:sldMasterIdLst>
   <p:sldIdLst>
     <p:sldId id="256" r:id="rId2"/>
+    <p:sldId id="257" r:id="rId3"/>
   </p:sldIdLst>
   <p:sldSz cx="12192000" cy="6858000"/>
   <p:notesSz cx="6858000" cy="9144000"/>
@@ -104,6 +105,11 @@
       </a:defRPr>
     </a:lvl9pPr>
   </p:defaultTextStyle>
+  <p:extLst>
+    <p:ext uri="{EFAFB233-063F-42B5-8137-9DF3F51BA10A}">
+      <p15:sldGuideLst xmlns:p15="http://schemas.microsoft.com/office/powerpoint/2012/main"/>
+    </p:ext>
+  </p:extLst>
 </p:presentation>
 </file>
 
@@ -256,7 +262,7 @@
           <a:p>
             <a:fld id="{5A78C8D0-8A30-8F4E-B9EF-8F2636A458E2}" type="datetimeFigureOut">
               <a:rPr lang="en-TW" smtClean="0"/>
-              <a:t>2021/9/15</a:t>
+              <a:t>2021/9/28</a:t>
             </a:fld>
             <a:endParaRPr lang="en-TW"/>
           </a:p>
@@ -456,7 +462,7 @@
           <a:p>
             <a:fld id="{5A78C8D0-8A30-8F4E-B9EF-8F2636A458E2}" type="datetimeFigureOut">
               <a:rPr lang="en-TW" smtClean="0"/>
-              <a:t>2021/9/15</a:t>
+              <a:t>2021/9/28</a:t>
             </a:fld>
             <a:endParaRPr lang="en-TW"/>
           </a:p>
@@ -666,7 +672,7 @@
           <a:p>
             <a:fld id="{5A78C8D0-8A30-8F4E-B9EF-8F2636A458E2}" type="datetimeFigureOut">
               <a:rPr lang="en-TW" smtClean="0"/>
-              <a:t>2021/9/15</a:t>
+              <a:t>2021/9/28</a:t>
             </a:fld>
             <a:endParaRPr lang="en-TW"/>
           </a:p>
@@ -866,7 +872,7 @@
           <a:p>
             <a:fld id="{5A78C8D0-8A30-8F4E-B9EF-8F2636A458E2}" type="datetimeFigureOut">
               <a:rPr lang="en-TW" smtClean="0"/>
-              <a:t>2021/9/15</a:t>
+              <a:t>2021/9/28</a:t>
             </a:fld>
             <a:endParaRPr lang="en-TW"/>
           </a:p>
@@ -1142,7 +1148,7 @@
           <a:p>
             <a:fld id="{5A78C8D0-8A30-8F4E-B9EF-8F2636A458E2}" type="datetimeFigureOut">
               <a:rPr lang="en-TW" smtClean="0"/>
-              <a:t>2021/9/15</a:t>
+              <a:t>2021/9/28</a:t>
             </a:fld>
             <a:endParaRPr lang="en-TW"/>
           </a:p>
@@ -1410,7 +1416,7 @@
           <a:p>
             <a:fld id="{5A78C8D0-8A30-8F4E-B9EF-8F2636A458E2}" type="datetimeFigureOut">
               <a:rPr lang="en-TW" smtClean="0"/>
-              <a:t>2021/9/15</a:t>
+              <a:t>2021/9/28</a:t>
             </a:fld>
             <a:endParaRPr lang="en-TW"/>
           </a:p>
@@ -1825,7 +1831,7 @@
           <a:p>
             <a:fld id="{5A78C8D0-8A30-8F4E-B9EF-8F2636A458E2}" type="datetimeFigureOut">
               <a:rPr lang="en-TW" smtClean="0"/>
-              <a:t>2021/9/15</a:t>
+              <a:t>2021/9/28</a:t>
             </a:fld>
             <a:endParaRPr lang="en-TW"/>
           </a:p>
@@ -1967,7 +1973,7 @@
           <a:p>
             <a:fld id="{5A78C8D0-8A30-8F4E-B9EF-8F2636A458E2}" type="datetimeFigureOut">
               <a:rPr lang="en-TW" smtClean="0"/>
-              <a:t>2021/9/15</a:t>
+              <a:t>2021/9/28</a:t>
             </a:fld>
             <a:endParaRPr lang="en-TW"/>
           </a:p>
@@ -2080,7 +2086,7 @@
           <a:p>
             <a:fld id="{5A78C8D0-8A30-8F4E-B9EF-8F2636A458E2}" type="datetimeFigureOut">
               <a:rPr lang="en-TW" smtClean="0"/>
-              <a:t>2021/9/15</a:t>
+              <a:t>2021/9/28</a:t>
             </a:fld>
             <a:endParaRPr lang="en-TW"/>
           </a:p>
@@ -2393,7 +2399,7 @@
           <a:p>
             <a:fld id="{5A78C8D0-8A30-8F4E-B9EF-8F2636A458E2}" type="datetimeFigureOut">
               <a:rPr lang="en-TW" smtClean="0"/>
-              <a:t>2021/9/15</a:t>
+              <a:t>2021/9/28</a:t>
             </a:fld>
             <a:endParaRPr lang="en-TW"/>
           </a:p>
@@ -2682,7 +2688,7 @@
           <a:p>
             <a:fld id="{5A78C8D0-8A30-8F4E-B9EF-8F2636A458E2}" type="datetimeFigureOut">
               <a:rPr lang="en-TW" smtClean="0"/>
-              <a:t>2021/9/15</a:t>
+              <a:t>2021/9/28</a:t>
             </a:fld>
             <a:endParaRPr lang="en-TW"/>
           </a:p>
@@ -2925,7 +2931,7 @@
           <a:p>
             <a:fld id="{5A78C8D0-8A30-8F4E-B9EF-8F2636A458E2}" type="datetimeFigureOut">
               <a:rPr lang="en-TW" smtClean="0"/>
-              <a:t>2021/9/15</a:t>
+              <a:t>2021/9/28</a:t>
             </a:fld>
             <a:endParaRPr lang="en-TW"/>
           </a:p>
@@ -3356,7 +3362,7 @@
         </p:nvSpPr>
         <p:spPr>
           <a:xfrm rot="5400000">
-            <a:off x="-311285" y="3381553"/>
+            <a:off x="875489" y="2729800"/>
             <a:ext cx="4143983" cy="700391"/>
           </a:xfrm>
           <a:prstGeom prst="rect">
@@ -3413,7 +3419,7 @@
         </p:nvSpPr>
         <p:spPr>
           <a:xfrm>
-            <a:off x="3058707" y="2023352"/>
+            <a:off x="4245481" y="1371599"/>
             <a:ext cx="900000" cy="900000"/>
           </a:xfrm>
           <a:prstGeom prst="ellipse">
@@ -3477,7 +3483,7 @@
         </p:nvSpPr>
         <p:spPr>
           <a:xfrm>
-            <a:off x="3058707" y="3281883"/>
+            <a:off x="4245481" y="2630130"/>
             <a:ext cx="900000" cy="900000"/>
           </a:xfrm>
           <a:prstGeom prst="ellipse">
@@ -3541,7 +3547,7 @@
         </p:nvSpPr>
         <p:spPr>
           <a:xfrm>
-            <a:off x="3058707" y="4530280"/>
+            <a:off x="4245481" y="3878527"/>
             <a:ext cx="900000" cy="900000"/>
           </a:xfrm>
           <a:prstGeom prst="ellipse">
@@ -3607,7 +3613,7 @@
         </p:nvCxnSpPr>
         <p:spPr>
           <a:xfrm flipV="1">
-            <a:off x="2110902" y="2473352"/>
+            <a:off x="3297676" y="1821599"/>
             <a:ext cx="947805" cy="1258397"/>
           </a:xfrm>
           <a:prstGeom prst="bentConnector5">
@@ -3659,7 +3665,7 @@
         </p:nvCxnSpPr>
         <p:spPr>
           <a:xfrm>
-            <a:off x="2110902" y="3731749"/>
+            <a:off x="3297676" y="3079996"/>
             <a:ext cx="947805" cy="134"/>
           </a:xfrm>
           <a:prstGeom prst="straightConnector1">
@@ -3707,7 +3713,7 @@
         </p:nvCxnSpPr>
         <p:spPr>
           <a:xfrm>
-            <a:off x="2110902" y="3731749"/>
+            <a:off x="3297676" y="3079996"/>
             <a:ext cx="947805" cy="1248531"/>
           </a:xfrm>
           <a:prstGeom prst="bentConnector5">
@@ -3757,7 +3763,7 @@
         </p:nvSpPr>
         <p:spPr>
           <a:xfrm>
-            <a:off x="4666343" y="2167352"/>
+            <a:off x="5853117" y="1515599"/>
             <a:ext cx="612000" cy="612000"/>
           </a:xfrm>
           <a:prstGeom prst="ellipse">
@@ -3821,7 +3827,7 @@
         </p:nvSpPr>
         <p:spPr>
           <a:xfrm>
-            <a:off x="4666343" y="3420816"/>
+            <a:off x="5853117" y="2769063"/>
             <a:ext cx="612000" cy="612000"/>
           </a:xfrm>
           <a:prstGeom prst="ellipse">
@@ -3885,7 +3891,7 @@
         </p:nvSpPr>
         <p:spPr>
           <a:xfrm>
-            <a:off x="4666343" y="4674280"/>
+            <a:off x="5853117" y="4022527"/>
             <a:ext cx="612000" cy="612000"/>
           </a:xfrm>
           <a:prstGeom prst="ellipse">
@@ -3951,7 +3957,7 @@
         </p:nvCxnSpPr>
         <p:spPr>
           <a:xfrm>
-            <a:off x="3958707" y="2473352"/>
+            <a:off x="5145481" y="1821599"/>
             <a:ext cx="707636" cy="0"/>
           </a:xfrm>
           <a:prstGeom prst="straightConnector1">
@@ -3999,7 +4005,7 @@
         </p:nvCxnSpPr>
         <p:spPr>
           <a:xfrm flipV="1">
-            <a:off x="3958707" y="3726816"/>
+            <a:off x="5145481" y="3075063"/>
             <a:ext cx="707636" cy="5067"/>
           </a:xfrm>
           <a:prstGeom prst="straightConnector1">
@@ -4047,7 +4053,7 @@
         </p:nvCxnSpPr>
         <p:spPr>
           <a:xfrm>
-            <a:off x="3958707" y="4980280"/>
+            <a:off x="5145481" y="4328527"/>
             <a:ext cx="707636" cy="0"/>
           </a:xfrm>
           <a:prstGeom prst="straightConnector1">
@@ -4094,7 +4100,7 @@
         </p:nvCxnSpPr>
         <p:spPr>
           <a:xfrm>
-            <a:off x="5278343" y="4980280"/>
+            <a:off x="6465117" y="4328527"/>
             <a:ext cx="588305" cy="1"/>
           </a:xfrm>
           <a:prstGeom prst="straightConnector1">
@@ -4140,7 +4146,7 @@
         </p:nvCxnSpPr>
         <p:spPr>
           <a:xfrm>
-            <a:off x="5278343" y="3726816"/>
+            <a:off x="6465117" y="3075063"/>
             <a:ext cx="588305" cy="1"/>
           </a:xfrm>
           <a:prstGeom prst="straightConnector1">
@@ -4186,7 +4192,7 @@
         </p:nvCxnSpPr>
         <p:spPr>
           <a:xfrm>
-            <a:off x="5272190" y="2473351"/>
+            <a:off x="6458964" y="1821598"/>
             <a:ext cx="588305" cy="1"/>
           </a:xfrm>
           <a:prstGeom prst="straightConnector1">
@@ -4230,7 +4236,7 @@
         </p:nvSpPr>
         <p:spPr>
           <a:xfrm rot="5400000">
-            <a:off x="4543278" y="3205465"/>
+            <a:off x="5730052" y="2553712"/>
             <a:ext cx="3698060" cy="1042702"/>
           </a:xfrm>
           <a:prstGeom prst="triangle">
@@ -4289,7 +4295,7 @@
         </p:nvCxnSpPr>
         <p:spPr>
           <a:xfrm>
-            <a:off x="6896440" y="3726815"/>
+            <a:off x="8083214" y="3075062"/>
             <a:ext cx="588305" cy="1"/>
           </a:xfrm>
           <a:prstGeom prst="straightConnector1">
@@ -4335,7 +4341,7 @@
         </p:nvSpPr>
         <p:spPr>
           <a:xfrm>
-            <a:off x="7478593" y="3366815"/>
+            <a:off x="8665367" y="2715062"/>
             <a:ext cx="1347316" cy="720000"/>
           </a:xfrm>
           <a:prstGeom prst="rect">
@@ -4385,10 +4391,1160 @@
           </a:p>
         </p:txBody>
       </p:sp>
+      <p:grpSp>
+        <p:nvGrpSpPr>
+          <p:cNvPr id="22" name="Group 21">
+            <a:extLst>
+              <a:ext uri="{FF2B5EF4-FFF2-40B4-BE49-F238E27FC236}">
+                <a16:creationId xmlns:a16="http://schemas.microsoft.com/office/drawing/2014/main" id="{183E7D4E-B880-A64D-AD37-CA27D048BF7A}"/>
+              </a:ext>
+            </a:extLst>
+          </p:cNvPr>
+          <p:cNvGrpSpPr/>
+          <p:nvPr/>
+        </p:nvGrpSpPr>
+        <p:grpSpPr>
+          <a:xfrm>
+            <a:off x="1572819" y="4599719"/>
+            <a:ext cx="9363802" cy="1746000"/>
+            <a:chOff x="3360126" y="4043080"/>
+            <a:chExt cx="5802628" cy="892736"/>
+          </a:xfrm>
+        </p:grpSpPr>
+        <p:grpSp>
+          <p:nvGrpSpPr>
+            <p:cNvPr id="23" name="Group 22">
+              <a:extLst>
+                <a:ext uri="{FF2B5EF4-FFF2-40B4-BE49-F238E27FC236}">
+                  <a16:creationId xmlns:a16="http://schemas.microsoft.com/office/drawing/2014/main" id="{590F2716-F233-A147-B848-EDEC038C7BC5}"/>
+                </a:ext>
+              </a:extLst>
+            </p:cNvPr>
+            <p:cNvGrpSpPr/>
+            <p:nvPr/>
+          </p:nvGrpSpPr>
+          <p:grpSpPr>
+            <a:xfrm>
+              <a:off x="3360126" y="4381750"/>
+              <a:ext cx="2735874" cy="215396"/>
+              <a:chOff x="7237110" y="4330673"/>
+              <a:chExt cx="2735874" cy="215396"/>
+            </a:xfrm>
+          </p:grpSpPr>
+          <p:sp>
+            <p:nvSpPr>
+              <p:cNvPr id="28" name="Intelligent Information Retrieval Laboratory">
+                <a:extLst>
+                  <a:ext uri="{FF2B5EF4-FFF2-40B4-BE49-F238E27FC236}">
+                    <a16:creationId xmlns:a16="http://schemas.microsoft.com/office/drawing/2014/main" id="{AA219F38-4C1F-9249-83C9-4582B4038F17}"/>
+                  </a:ext>
+                </a:extLst>
+              </p:cNvPr>
+              <p:cNvSpPr txBox="1"/>
+              <p:nvPr/>
+            </p:nvSpPr>
+            <p:spPr>
+              <a:xfrm>
+                <a:off x="7237110" y="4330673"/>
+                <a:ext cx="2590800" cy="215396"/>
+              </a:xfrm>
+              <a:prstGeom prst="rect">
+                <a:avLst/>
+              </a:prstGeom>
+              <a:noFill/>
+              <a:ln w="12700" cap="flat">
+                <a:noFill/>
+                <a:miter lim="400000"/>
+              </a:ln>
+              <a:effectLst/>
+              <a:extLst>
+                <a:ext uri="{C572A759-6A51-4108-AA02-DFA0A04FC94B}">
+                  <ma14:wrappingTextBoxFlag xmlns="" xmlns:m="http://schemas.openxmlformats.org/officeDocument/2006/math" xmlns:a14="http://schemas.microsoft.com/office/drawing/2010/main" xmlns:ma14="http://schemas.microsoft.com/office/mac/drawingml/2011/main" val="1"/>
+                </a:ext>
+              </a:extLst>
+            </p:spPr>
+            <p:txBody>
+              <a:bodyPr wrap="square" lIns="71437" tIns="71437" rIns="71437" bIns="71437" numCol="1" anchor="ctr">
+                <a:spAutoFit/>
+              </a:bodyPr>
+              <a:lstStyle>
+                <a:lvl1pPr algn="l" defTabSz="821531">
+                  <a:defRPr sz="2400" b="0">
+                    <a:solidFill>
+                      <a:srgbClr val="FFFFFF"/>
+                    </a:solidFill>
+                    <a:latin typeface="Helvetica Neue Bold Condensed"/>
+                    <a:ea typeface="Helvetica Neue Bold Condensed"/>
+                    <a:cs typeface="Helvetica Neue Bold Condensed"/>
+                    <a:sym typeface="Helvetica Neue Bold Condensed"/>
+                  </a:defRPr>
+                </a:lvl1pPr>
+              </a:lstStyle>
+              <a:p>
+                <a:r>
+                  <a:rPr kumimoji="0" lang="zh-TW" altLang="en-US" sz="1400" b="0" i="0" u="none" strike="noStrike" cap="none" spc="0" normalizeH="0" baseline="0" dirty="0">
+                    <a:ln>
+                      <a:noFill/>
+                    </a:ln>
+                    <a:solidFill>
+                      <a:schemeClr val="tx1">
+                        <a:alpha val="15000"/>
+                      </a:schemeClr>
+                    </a:solidFill>
+                    <a:effectLst/>
+                    <a:uFillTx/>
+                    <a:latin typeface="Helvetica Neue Bold Condensed"/>
+                    <a:ea typeface="Helvetica Neue Bold Condensed"/>
+                    <a:cs typeface="Helvetica Neue Bold Condensed"/>
+                    <a:sym typeface="Helvetica Neue Bold Condensed"/>
+                  </a:rPr>
+                  <a:t>第</a:t>
+                </a:r>
+                <a:r>
+                  <a:rPr kumimoji="0" lang="en-US" altLang="zh-TW" sz="1400" b="0" i="0" u="none" strike="noStrike" cap="none" spc="0" normalizeH="0" baseline="0" dirty="0">
+                    <a:ln>
+                      <a:noFill/>
+                    </a:ln>
+                    <a:solidFill>
+                      <a:schemeClr val="tx1">
+                        <a:alpha val="15000"/>
+                      </a:schemeClr>
+                    </a:solidFill>
+                    <a:effectLst/>
+                    <a:uFillTx/>
+                    <a:latin typeface="Helvetica Neue Bold Condensed"/>
+                    <a:ea typeface="Helvetica Neue Bold Condensed"/>
+                    <a:cs typeface="Helvetica Neue Bold Condensed"/>
+                    <a:sym typeface="Helvetica Neue Bold Condensed"/>
+                  </a:rPr>
+                  <a:t>13</a:t>
+                </a:r>
+                <a:r>
+                  <a:rPr kumimoji="0" lang="zh-TW" altLang="en-US" sz="1400" b="0" i="0" u="none" strike="noStrike" cap="none" spc="0" normalizeH="0" baseline="0" dirty="0">
+                    <a:ln>
+                      <a:noFill/>
+                    </a:ln>
+                    <a:solidFill>
+                      <a:schemeClr val="tx1">
+                        <a:alpha val="15000"/>
+                      </a:schemeClr>
+                    </a:solidFill>
+                    <a:effectLst/>
+                    <a:uFillTx/>
+                    <a:latin typeface="Helvetica Neue Bold Condensed"/>
+                    <a:ea typeface="Helvetica Neue Bold Condensed"/>
+                    <a:cs typeface="Helvetica Neue Bold Condensed"/>
+                    <a:sym typeface="Helvetica Neue Bold Condensed"/>
+                  </a:rPr>
+                  <a:t>屆 </a:t>
+                </a:r>
+                <a:r>
+                  <a:rPr kumimoji="0" lang="en-US" sz="1800" b="0" i="0" u="none" strike="noStrike" cap="none" spc="0" normalizeH="0" baseline="0" dirty="0">
+                    <a:ln>
+                      <a:noFill/>
+                    </a:ln>
+                    <a:solidFill>
+                      <a:schemeClr val="tx1">
+                        <a:alpha val="15000"/>
+                      </a:schemeClr>
+                    </a:solidFill>
+                    <a:effectLst/>
+                    <a:uFillTx/>
+                    <a:latin typeface="Helvetica Neue Bold Condensed"/>
+                    <a:ea typeface="Helvetica Neue Bold Condensed"/>
+                    <a:cs typeface="Helvetica Neue Bold Condensed"/>
+                    <a:sym typeface="Helvetica Neue Bold Condensed"/>
+                  </a:rPr>
+                  <a:t>iT</a:t>
+                </a:r>
+                <a:r>
+                  <a:rPr kumimoji="0" lang="zh-TW" altLang="en-US" sz="1600" b="0" i="0" u="none" strike="noStrike" cap="none" spc="0" normalizeH="0" baseline="0" dirty="0">
+                    <a:ln>
+                      <a:noFill/>
+                    </a:ln>
+                    <a:solidFill>
+                      <a:schemeClr val="tx1">
+                        <a:alpha val="15000"/>
+                      </a:schemeClr>
+                    </a:solidFill>
+                    <a:effectLst/>
+                    <a:uFillTx/>
+                    <a:latin typeface="Helvetica Neue Bold Condensed"/>
+                    <a:ea typeface="Helvetica Neue Bold Condensed"/>
+                    <a:cs typeface="Helvetica Neue Bold Condensed"/>
+                    <a:sym typeface="Helvetica Neue Bold Condensed"/>
+                  </a:rPr>
+                  <a:t>邦</a:t>
+                </a:r>
+                <a:r>
+                  <a:rPr kumimoji="0" lang="zh-TW" altLang="en-US" sz="1200" b="0" i="0" u="none" strike="noStrike" cap="none" spc="0" normalizeH="0" baseline="0" dirty="0">
+                    <a:ln>
+                      <a:noFill/>
+                    </a:ln>
+                    <a:solidFill>
+                      <a:schemeClr val="tx1">
+                        <a:alpha val="15000"/>
+                      </a:schemeClr>
+                    </a:solidFill>
+                    <a:effectLst/>
+                    <a:uFillTx/>
+                    <a:latin typeface="Helvetica Neue Bold Condensed"/>
+                    <a:ea typeface="Helvetica Neue Bold Condensed"/>
+                    <a:cs typeface="Helvetica Neue Bold Condensed"/>
+                    <a:sym typeface="Helvetica Neue Bold Condensed"/>
+                  </a:rPr>
+                  <a:t>幫忙</a:t>
+                </a:r>
+                <a:r>
+                  <a:rPr kumimoji="0" lang="zh-TW" altLang="en-US" sz="1600" b="0" i="0" u="none" strike="noStrike" cap="none" spc="0" normalizeH="0" baseline="0" dirty="0">
+                    <a:ln>
+                      <a:noFill/>
+                    </a:ln>
+                    <a:solidFill>
+                      <a:schemeClr val="tx1">
+                        <a:alpha val="15000"/>
+                      </a:schemeClr>
+                    </a:solidFill>
+                    <a:effectLst/>
+                    <a:uFillTx/>
+                    <a:latin typeface="Helvetica Neue Bold Condensed"/>
+                    <a:ea typeface="Helvetica Neue Bold Condensed"/>
+                    <a:cs typeface="Helvetica Neue Bold Condensed"/>
+                    <a:sym typeface="Helvetica Neue Bold Condensed"/>
+                  </a:rPr>
+                  <a:t> 鐵人賽</a:t>
+                </a:r>
+                <a:endParaRPr sz="1600" dirty="0">
+                  <a:solidFill>
+                    <a:schemeClr val="tx1">
+                      <a:alpha val="15000"/>
+                    </a:schemeClr>
+                  </a:solidFill>
+                </a:endParaRPr>
+              </a:p>
+            </p:txBody>
+          </p:sp>
+          <p:sp>
+            <p:nvSpPr>
+              <p:cNvPr id="33" name="Intelligent Information Retrieval Laboratory">
+                <a:extLst>
+                  <a:ext uri="{FF2B5EF4-FFF2-40B4-BE49-F238E27FC236}">
+                    <a16:creationId xmlns:a16="http://schemas.microsoft.com/office/drawing/2014/main" id="{1E8A00C3-C1BF-4D49-A958-CC7BC7734B13}"/>
+                  </a:ext>
+                </a:extLst>
+              </p:cNvPr>
+              <p:cNvSpPr txBox="1"/>
+              <p:nvPr/>
+            </p:nvSpPr>
+            <p:spPr>
+              <a:xfrm>
+                <a:off x="8753784" y="4354105"/>
+                <a:ext cx="1219200" cy="183922"/>
+              </a:xfrm>
+              <a:prstGeom prst="rect">
+                <a:avLst/>
+              </a:prstGeom>
+              <a:noFill/>
+              <a:ln w="12700" cap="flat">
+                <a:noFill/>
+                <a:miter lim="400000"/>
+              </a:ln>
+              <a:effectLst/>
+              <a:extLst>
+                <a:ext uri="{C572A759-6A51-4108-AA02-DFA0A04FC94B}">
+                  <ma14:wrappingTextBoxFlag xmlns="" xmlns:m="http://schemas.openxmlformats.org/officeDocument/2006/math" xmlns:a14="http://schemas.microsoft.com/office/drawing/2010/main" xmlns:ma14="http://schemas.microsoft.com/office/mac/drawingml/2011/main" val="1"/>
+                </a:ext>
+              </a:extLst>
+            </p:spPr>
+            <p:txBody>
+              <a:bodyPr wrap="square" lIns="71437" tIns="71437" rIns="71437" bIns="71437" numCol="1" anchor="ctr">
+                <a:spAutoFit/>
+              </a:bodyPr>
+              <a:lstStyle>
+                <a:lvl1pPr algn="l" defTabSz="821531">
+                  <a:defRPr sz="2400" b="0">
+                    <a:solidFill>
+                      <a:srgbClr val="FFFFFF"/>
+                    </a:solidFill>
+                    <a:latin typeface="Helvetica Neue Bold Condensed"/>
+                    <a:ea typeface="Helvetica Neue Bold Condensed"/>
+                    <a:cs typeface="Helvetica Neue Bold Condensed"/>
+                    <a:sym typeface="Helvetica Neue Bold Condensed"/>
+                  </a:defRPr>
+                </a:lvl1pPr>
+              </a:lstStyle>
+              <a:p>
+                <a:r>
+                  <a:rPr kumimoji="0" lang="en-US" altLang="zh-TW" sz="1400" b="0" i="0" u="none" strike="noStrike" cap="none" spc="0" normalizeH="0" baseline="0" dirty="0">
+                    <a:ln>
+                      <a:noFill/>
+                    </a:ln>
+                    <a:solidFill>
+                      <a:schemeClr val="tx1">
+                        <a:alpha val="15000"/>
+                      </a:schemeClr>
+                    </a:solidFill>
+                    <a:effectLst/>
+                    <a:uFillTx/>
+                    <a:latin typeface="Helvetica Neue Bold Condensed"/>
+                    <a:ea typeface="Helvetica Neue Bold Condensed"/>
+                    <a:cs typeface="Helvetica Neue Bold Condensed"/>
+                    <a:sym typeface="Helvetica Neue Bold Condensed"/>
+                  </a:rPr>
+                  <a:t>AI &amp; Data </a:t>
+                </a:r>
+                <a:r>
+                  <a:rPr kumimoji="0" lang="zh-TW" altLang="en-US" sz="1400" b="0" i="0" u="none" strike="noStrike" cap="none" spc="0" normalizeH="0" baseline="0" dirty="0">
+                    <a:ln>
+                      <a:noFill/>
+                    </a:ln>
+                    <a:solidFill>
+                      <a:schemeClr val="tx1">
+                        <a:alpha val="15000"/>
+                      </a:schemeClr>
+                    </a:solidFill>
+                    <a:effectLst/>
+                    <a:uFillTx/>
+                    <a:latin typeface="Helvetica Neue Bold Condensed"/>
+                    <a:ea typeface="Helvetica Neue Bold Condensed"/>
+                    <a:cs typeface="Helvetica Neue Bold Condensed"/>
+                    <a:sym typeface="Helvetica Neue Bold Condensed"/>
+                  </a:rPr>
+                  <a:t>組</a:t>
+                </a:r>
+                <a:endParaRPr sz="1600" dirty="0">
+                  <a:solidFill>
+                    <a:schemeClr val="tx1">
+                      <a:alpha val="15000"/>
+                    </a:schemeClr>
+                  </a:solidFill>
+                </a:endParaRPr>
+              </a:p>
+            </p:txBody>
+          </p:sp>
+        </p:grpSp>
+        <p:grpSp>
+          <p:nvGrpSpPr>
+            <p:cNvPr id="24" name="Group 23">
+              <a:extLst>
+                <a:ext uri="{FF2B5EF4-FFF2-40B4-BE49-F238E27FC236}">
+                  <a16:creationId xmlns:a16="http://schemas.microsoft.com/office/drawing/2014/main" id="{A946BD5E-64E7-9A41-8D79-5DF8B0A152E5}"/>
+                </a:ext>
+              </a:extLst>
+            </p:cNvPr>
+            <p:cNvGrpSpPr/>
+            <p:nvPr/>
+          </p:nvGrpSpPr>
+          <p:grpSpPr>
+            <a:xfrm>
+              <a:off x="7245205" y="4043080"/>
+              <a:ext cx="1917549" cy="892736"/>
+              <a:chOff x="3889162" y="4011274"/>
+              <a:chExt cx="1917549" cy="892736"/>
+            </a:xfrm>
+          </p:grpSpPr>
+          <p:pic>
+            <p:nvPicPr>
+              <p:cNvPr id="25" name="Picture 24">
+                <a:extLst>
+                  <a:ext uri="{FF2B5EF4-FFF2-40B4-BE49-F238E27FC236}">
+                    <a16:creationId xmlns:a16="http://schemas.microsoft.com/office/drawing/2014/main" id="{0D3D49E5-EB29-7E46-8508-AE34B3E5F614}"/>
+                  </a:ext>
+                </a:extLst>
+              </p:cNvPr>
+              <p:cNvPicPr>
+                <a:picLocks noChangeAspect="1" noChangeArrowheads="1"/>
+              </p:cNvPicPr>
+              <p:nvPr/>
+            </p:nvPicPr>
+            <p:blipFill>
+              <a:blip r:embed="rId2">
+                <a:duotone>
+                  <a:prstClr val="black"/>
+                  <a:schemeClr val="tx1">
+                    <a:tint val="45000"/>
+                    <a:satMod val="400000"/>
+                  </a:schemeClr>
+                </a:duotone>
+                <a:alphaModFix amt="20000"/>
+              </a:blip>
+              <a:srcRect/>
+              <a:stretch/>
+            </p:blipFill>
+            <p:spPr bwMode="auto">
+              <a:xfrm>
+                <a:off x="4504801" y="4011274"/>
+                <a:ext cx="1080117" cy="892736"/>
+              </a:xfrm>
+              <a:prstGeom prst="rect">
+                <a:avLst/>
+              </a:prstGeom>
+              <a:noFill/>
+              <a:extLst>
+                <a:ext uri="{909E8E84-426E-40DD-AFC4-6F175D3DCCD1}">
+                  <a14:hiddenFill xmlns:a14="http://schemas.microsoft.com/office/drawing/2010/main">
+                    <a:solidFill>
+                      <a:srgbClr val="FFFFFF"/>
+                    </a:solidFill>
+                  </a14:hiddenFill>
+                </a:ext>
+              </a:extLst>
+            </p:spPr>
+          </p:pic>
+          <p:pic>
+            <p:nvPicPr>
+              <p:cNvPr id="26" name="Picture 4" descr="Youtube logo | Logok">
+                <a:extLst>
+                  <a:ext uri="{FF2B5EF4-FFF2-40B4-BE49-F238E27FC236}">
+                    <a16:creationId xmlns:a16="http://schemas.microsoft.com/office/drawing/2014/main" id="{1A6A1618-61E9-1343-8DC0-DA2952133255}"/>
+                  </a:ext>
+                </a:extLst>
+              </p:cNvPr>
+              <p:cNvPicPr>
+                <a:picLocks noChangeAspect="1" noChangeArrowheads="1"/>
+              </p:cNvPicPr>
+              <p:nvPr/>
+            </p:nvPicPr>
+            <p:blipFill>
+              <a:blip r:embed="rId3">
+                <a:alphaModFix amt="20000"/>
+                <a:extLst>
+                  <a:ext uri="{28A0092B-C50C-407E-A947-70E740481C1C}">
+                    <a14:useLocalDpi xmlns:a14="http://schemas.microsoft.com/office/drawing/2010/main" val="0"/>
+                  </a:ext>
+                </a:extLst>
+              </a:blip>
+              <a:srcRect/>
+              <a:stretch>
+                <a:fillRect/>
+              </a:stretch>
+            </p:blipFill>
+            <p:spPr bwMode="auto">
+              <a:xfrm>
+                <a:off x="3889162" y="4233740"/>
+                <a:ext cx="768344" cy="478652"/>
+              </a:xfrm>
+              <a:prstGeom prst="rect">
+                <a:avLst/>
+              </a:prstGeom>
+              <a:noFill/>
+              <a:extLst>
+                <a:ext uri="{909E8E84-426E-40DD-AFC4-6F175D3DCCD1}">
+                  <a14:hiddenFill xmlns:a14="http://schemas.microsoft.com/office/drawing/2010/main">
+                    <a:solidFill>
+                      <a:srgbClr val="FFFFFF"/>
+                    </a:solidFill>
+                  </a14:hiddenFill>
+                </a:ext>
+              </a:extLst>
+            </p:spPr>
+          </p:pic>
+          <p:sp>
+            <p:nvSpPr>
+              <p:cNvPr id="27" name="Intelligent Information Retrieval Laboratory">
+                <a:extLst>
+                  <a:ext uri="{FF2B5EF4-FFF2-40B4-BE49-F238E27FC236}">
+                    <a16:creationId xmlns:a16="http://schemas.microsoft.com/office/drawing/2014/main" id="{FA94B383-8A52-7445-9035-92C6DDB26815}"/>
+                  </a:ext>
+                </a:extLst>
+              </p:cNvPr>
+              <p:cNvSpPr txBox="1"/>
+              <p:nvPr/>
+            </p:nvSpPr>
+            <p:spPr>
+              <a:xfrm>
+                <a:off x="4587511" y="4365368"/>
+                <a:ext cx="1219200" cy="215396"/>
+              </a:xfrm>
+              <a:prstGeom prst="rect">
+                <a:avLst/>
+              </a:prstGeom>
+              <a:noFill/>
+              <a:ln w="12700" cap="flat">
+                <a:noFill/>
+                <a:miter lim="400000"/>
+              </a:ln>
+              <a:effectLst/>
+              <a:extLst>
+                <a:ext uri="{C572A759-6A51-4108-AA02-DFA0A04FC94B}">
+                  <ma14:wrappingTextBoxFlag xmlns="" xmlns:m="http://schemas.openxmlformats.org/officeDocument/2006/math" xmlns:a14="http://schemas.microsoft.com/office/drawing/2010/main" xmlns:ma14="http://schemas.microsoft.com/office/mac/drawingml/2011/main" val="1"/>
+                </a:ext>
+              </a:extLst>
+            </p:spPr>
+            <p:txBody>
+              <a:bodyPr wrap="square" lIns="71437" tIns="71437" rIns="71437" bIns="71437" numCol="1" anchor="ctr">
+                <a:spAutoFit/>
+              </a:bodyPr>
+              <a:lstStyle>
+                <a:lvl1pPr algn="l" defTabSz="821531">
+                  <a:defRPr sz="2400" b="0">
+                    <a:solidFill>
+                      <a:srgbClr val="FFFFFF"/>
+                    </a:solidFill>
+                    <a:latin typeface="Helvetica Neue Bold Condensed"/>
+                    <a:ea typeface="Helvetica Neue Bold Condensed"/>
+                    <a:cs typeface="Helvetica Neue Bold Condensed"/>
+                    <a:sym typeface="Helvetica Neue Bold Condensed"/>
+                  </a:defRPr>
+                </a:lvl1pPr>
+              </a:lstStyle>
+              <a:p>
+                <a:r>
+                  <a:rPr kumimoji="0" lang="en-US" altLang="zh-TW" sz="1800" b="0" i="0" u="none" strike="noStrike" cap="none" spc="0" normalizeH="0" baseline="0" dirty="0">
+                    <a:ln>
+                      <a:noFill/>
+                    </a:ln>
+                    <a:solidFill>
+                      <a:schemeClr val="tx1">
+                        <a:alpha val="15000"/>
+                      </a:schemeClr>
+                    </a:solidFill>
+                    <a:effectLst/>
+                    <a:uFillTx/>
+                    <a:latin typeface="Helvetica Neue Bold Condensed"/>
+                    <a:ea typeface="Helvetica Neue Bold Condensed"/>
+                    <a:cs typeface="Helvetica Neue Bold Condensed"/>
+                    <a:sym typeface="Helvetica Neue Bold Condensed"/>
+                  </a:rPr>
+                  <a:t>10</a:t>
+                </a:r>
+                <a:r>
+                  <a:rPr kumimoji="0" lang="zh-TW" altLang="en-US" sz="1800" b="0" i="0" u="none" strike="noStrike" cap="none" spc="0" normalizeH="0" baseline="0" dirty="0">
+                    <a:ln>
+                      <a:noFill/>
+                    </a:ln>
+                    <a:solidFill>
+                      <a:schemeClr val="tx1">
+                        <a:alpha val="15000"/>
+                      </a:schemeClr>
+                    </a:solidFill>
+                    <a:effectLst/>
+                    <a:uFillTx/>
+                    <a:sym typeface="Helvetica Neue Bold Condensed"/>
+                  </a:rPr>
+                  <a:t>程式中</a:t>
+                </a:r>
+                <a:endParaRPr sz="2000" dirty="0">
+                  <a:solidFill>
+                    <a:schemeClr val="tx1">
+                      <a:alpha val="15000"/>
+                    </a:schemeClr>
+                  </a:solidFill>
+                </a:endParaRPr>
+              </a:p>
+            </p:txBody>
+          </p:sp>
+        </p:grpSp>
+      </p:grpSp>
     </p:spTree>
     <p:extLst>
       <p:ext uri="{BB962C8B-B14F-4D97-AF65-F5344CB8AC3E}">
         <p14:creationId xmlns:p14="http://schemas.microsoft.com/office/powerpoint/2010/main" val="1091275774"/>
+      </p:ext>
+    </p:extLst>
+  </p:cSld>
+  <p:clrMapOvr>
+    <a:masterClrMapping/>
+  </p:clrMapOvr>
+</p:sld>
+</file>
+
+<file path=ppt/slides/slide2.xml><?xml version="1.0" encoding="utf-8"?>
+<p:sld xmlns:a="http://schemas.openxmlformats.org/drawingml/2006/main" xmlns:r="http://schemas.openxmlformats.org/officeDocument/2006/relationships" xmlns:p="http://schemas.openxmlformats.org/presentationml/2006/main">
+  <p:cSld>
+    <p:spTree>
+      <p:nvGrpSpPr>
+        <p:cNvPr id="1" name=""/>
+        <p:cNvGrpSpPr/>
+        <p:nvPr/>
+      </p:nvGrpSpPr>
+      <p:grpSpPr>
+        <a:xfrm>
+          <a:off x="0" y="0"/>
+          <a:ext cx="0" cy="0"/>
+          <a:chOff x="0" y="0"/>
+          <a:chExt cx="0" cy="0"/>
+        </a:xfrm>
+      </p:grpSpPr>
+      <p:pic>
+        <p:nvPicPr>
+          <p:cNvPr id="3" name="Picture 2">
+            <a:extLst>
+              <a:ext uri="{FF2B5EF4-FFF2-40B4-BE49-F238E27FC236}">
+                <a16:creationId xmlns:a16="http://schemas.microsoft.com/office/drawing/2014/main" id="{29CC92BD-783F-A440-A23C-35B384919C9D}"/>
+              </a:ext>
+            </a:extLst>
+          </p:cNvPr>
+          <p:cNvPicPr>
+            <a:picLocks noChangeAspect="1"/>
+          </p:cNvPicPr>
+          <p:nvPr/>
+        </p:nvPicPr>
+        <p:blipFill>
+          <a:blip r:embed="rId2"/>
+          <a:stretch>
+            <a:fillRect/>
+          </a:stretch>
+        </p:blipFill>
+        <p:spPr>
+          <a:xfrm>
+            <a:off x="1555750" y="1130300"/>
+            <a:ext cx="9080500" cy="4597400"/>
+          </a:xfrm>
+          <a:prstGeom prst="rect">
+            <a:avLst/>
+          </a:prstGeom>
+        </p:spPr>
+      </p:pic>
+      <p:grpSp>
+        <p:nvGrpSpPr>
+          <p:cNvPr id="4" name="Group 3">
+            <a:extLst>
+              <a:ext uri="{FF2B5EF4-FFF2-40B4-BE49-F238E27FC236}">
+                <a16:creationId xmlns:a16="http://schemas.microsoft.com/office/drawing/2014/main" id="{75556ABA-6734-0347-B7C3-2B58C8EADCE0}"/>
+              </a:ext>
+            </a:extLst>
+          </p:cNvPr>
+          <p:cNvGrpSpPr/>
+          <p:nvPr/>
+        </p:nvGrpSpPr>
+        <p:grpSpPr>
+          <a:xfrm>
+            <a:off x="1650640" y="5112000"/>
+            <a:ext cx="9363802" cy="1746000"/>
+            <a:chOff x="3360126" y="4043080"/>
+            <a:chExt cx="5802628" cy="892736"/>
+          </a:xfrm>
+        </p:grpSpPr>
+        <p:grpSp>
+          <p:nvGrpSpPr>
+            <p:cNvPr id="5" name="Group 4">
+              <a:extLst>
+                <a:ext uri="{FF2B5EF4-FFF2-40B4-BE49-F238E27FC236}">
+                  <a16:creationId xmlns:a16="http://schemas.microsoft.com/office/drawing/2014/main" id="{CB551724-4931-9C4A-8E01-EBE94C54C4D0}"/>
+                </a:ext>
+              </a:extLst>
+            </p:cNvPr>
+            <p:cNvGrpSpPr/>
+            <p:nvPr/>
+          </p:nvGrpSpPr>
+          <p:grpSpPr>
+            <a:xfrm>
+              <a:off x="3360126" y="4381750"/>
+              <a:ext cx="2735874" cy="215396"/>
+              <a:chOff x="7237110" y="4330673"/>
+              <a:chExt cx="2735874" cy="215396"/>
+            </a:xfrm>
+          </p:grpSpPr>
+          <p:sp>
+            <p:nvSpPr>
+              <p:cNvPr id="10" name="Intelligent Information Retrieval Laboratory">
+                <a:extLst>
+                  <a:ext uri="{FF2B5EF4-FFF2-40B4-BE49-F238E27FC236}">
+                    <a16:creationId xmlns:a16="http://schemas.microsoft.com/office/drawing/2014/main" id="{D71B7B67-FA92-784B-BF0D-5075E822A20C}"/>
+                  </a:ext>
+                </a:extLst>
+              </p:cNvPr>
+              <p:cNvSpPr txBox="1"/>
+              <p:nvPr/>
+            </p:nvSpPr>
+            <p:spPr>
+              <a:xfrm>
+                <a:off x="7237110" y="4330673"/>
+                <a:ext cx="2590800" cy="215396"/>
+              </a:xfrm>
+              <a:prstGeom prst="rect">
+                <a:avLst/>
+              </a:prstGeom>
+              <a:noFill/>
+              <a:ln w="12700" cap="flat">
+                <a:noFill/>
+                <a:miter lim="400000"/>
+              </a:ln>
+              <a:effectLst/>
+              <a:extLst>
+                <a:ext uri="{C572A759-6A51-4108-AA02-DFA0A04FC94B}">
+                  <ma14:wrappingTextBoxFlag xmlns="" xmlns:m="http://schemas.openxmlformats.org/officeDocument/2006/math" xmlns:a14="http://schemas.microsoft.com/office/drawing/2010/main" xmlns:ma14="http://schemas.microsoft.com/office/mac/drawingml/2011/main" val="1"/>
+                </a:ext>
+              </a:extLst>
+            </p:spPr>
+            <p:txBody>
+              <a:bodyPr wrap="square" lIns="71437" tIns="71437" rIns="71437" bIns="71437" numCol="1" anchor="ctr">
+                <a:spAutoFit/>
+              </a:bodyPr>
+              <a:lstStyle>
+                <a:lvl1pPr algn="l" defTabSz="821531">
+                  <a:defRPr sz="2400" b="0">
+                    <a:solidFill>
+                      <a:srgbClr val="FFFFFF"/>
+                    </a:solidFill>
+                    <a:latin typeface="Helvetica Neue Bold Condensed"/>
+                    <a:ea typeface="Helvetica Neue Bold Condensed"/>
+                    <a:cs typeface="Helvetica Neue Bold Condensed"/>
+                    <a:sym typeface="Helvetica Neue Bold Condensed"/>
+                  </a:defRPr>
+                </a:lvl1pPr>
+              </a:lstStyle>
+              <a:p>
+                <a:r>
+                  <a:rPr kumimoji="0" lang="zh-TW" altLang="en-US" sz="1400" b="0" i="0" u="none" strike="noStrike" cap="none" spc="0" normalizeH="0" baseline="0" dirty="0">
+                    <a:ln>
+                      <a:noFill/>
+                    </a:ln>
+                    <a:solidFill>
+                      <a:schemeClr val="tx1">
+                        <a:alpha val="15000"/>
+                      </a:schemeClr>
+                    </a:solidFill>
+                    <a:effectLst/>
+                    <a:uFillTx/>
+                    <a:latin typeface="Helvetica Neue Bold Condensed"/>
+                    <a:ea typeface="Helvetica Neue Bold Condensed"/>
+                    <a:cs typeface="Helvetica Neue Bold Condensed"/>
+                    <a:sym typeface="Helvetica Neue Bold Condensed"/>
+                  </a:rPr>
+                  <a:t>第</a:t>
+                </a:r>
+                <a:r>
+                  <a:rPr kumimoji="0" lang="en-US" altLang="zh-TW" sz="1400" b="0" i="0" u="none" strike="noStrike" cap="none" spc="0" normalizeH="0" baseline="0" dirty="0">
+                    <a:ln>
+                      <a:noFill/>
+                    </a:ln>
+                    <a:solidFill>
+                      <a:schemeClr val="tx1">
+                        <a:alpha val="15000"/>
+                      </a:schemeClr>
+                    </a:solidFill>
+                    <a:effectLst/>
+                    <a:uFillTx/>
+                    <a:latin typeface="Helvetica Neue Bold Condensed"/>
+                    <a:ea typeface="Helvetica Neue Bold Condensed"/>
+                    <a:cs typeface="Helvetica Neue Bold Condensed"/>
+                    <a:sym typeface="Helvetica Neue Bold Condensed"/>
+                  </a:rPr>
+                  <a:t>13</a:t>
+                </a:r>
+                <a:r>
+                  <a:rPr kumimoji="0" lang="zh-TW" altLang="en-US" sz="1400" b="0" i="0" u="none" strike="noStrike" cap="none" spc="0" normalizeH="0" baseline="0" dirty="0">
+                    <a:ln>
+                      <a:noFill/>
+                    </a:ln>
+                    <a:solidFill>
+                      <a:schemeClr val="tx1">
+                        <a:alpha val="15000"/>
+                      </a:schemeClr>
+                    </a:solidFill>
+                    <a:effectLst/>
+                    <a:uFillTx/>
+                    <a:latin typeface="Helvetica Neue Bold Condensed"/>
+                    <a:ea typeface="Helvetica Neue Bold Condensed"/>
+                    <a:cs typeface="Helvetica Neue Bold Condensed"/>
+                    <a:sym typeface="Helvetica Neue Bold Condensed"/>
+                  </a:rPr>
+                  <a:t>屆 </a:t>
+                </a:r>
+                <a:r>
+                  <a:rPr kumimoji="0" lang="en-US" sz="1800" b="0" i="0" u="none" strike="noStrike" cap="none" spc="0" normalizeH="0" baseline="0" dirty="0">
+                    <a:ln>
+                      <a:noFill/>
+                    </a:ln>
+                    <a:solidFill>
+                      <a:schemeClr val="tx1">
+                        <a:alpha val="15000"/>
+                      </a:schemeClr>
+                    </a:solidFill>
+                    <a:effectLst/>
+                    <a:uFillTx/>
+                    <a:latin typeface="Helvetica Neue Bold Condensed"/>
+                    <a:ea typeface="Helvetica Neue Bold Condensed"/>
+                    <a:cs typeface="Helvetica Neue Bold Condensed"/>
+                    <a:sym typeface="Helvetica Neue Bold Condensed"/>
+                  </a:rPr>
+                  <a:t>iT</a:t>
+                </a:r>
+                <a:r>
+                  <a:rPr kumimoji="0" lang="zh-TW" altLang="en-US" sz="1600" b="0" i="0" u="none" strike="noStrike" cap="none" spc="0" normalizeH="0" baseline="0" dirty="0">
+                    <a:ln>
+                      <a:noFill/>
+                    </a:ln>
+                    <a:solidFill>
+                      <a:schemeClr val="tx1">
+                        <a:alpha val="15000"/>
+                      </a:schemeClr>
+                    </a:solidFill>
+                    <a:effectLst/>
+                    <a:uFillTx/>
+                    <a:latin typeface="Helvetica Neue Bold Condensed"/>
+                    <a:ea typeface="Helvetica Neue Bold Condensed"/>
+                    <a:cs typeface="Helvetica Neue Bold Condensed"/>
+                    <a:sym typeface="Helvetica Neue Bold Condensed"/>
+                  </a:rPr>
+                  <a:t>邦</a:t>
+                </a:r>
+                <a:r>
+                  <a:rPr kumimoji="0" lang="zh-TW" altLang="en-US" sz="1200" b="0" i="0" u="none" strike="noStrike" cap="none" spc="0" normalizeH="0" baseline="0" dirty="0">
+                    <a:ln>
+                      <a:noFill/>
+                    </a:ln>
+                    <a:solidFill>
+                      <a:schemeClr val="tx1">
+                        <a:alpha val="15000"/>
+                      </a:schemeClr>
+                    </a:solidFill>
+                    <a:effectLst/>
+                    <a:uFillTx/>
+                    <a:latin typeface="Helvetica Neue Bold Condensed"/>
+                    <a:ea typeface="Helvetica Neue Bold Condensed"/>
+                    <a:cs typeface="Helvetica Neue Bold Condensed"/>
+                    <a:sym typeface="Helvetica Neue Bold Condensed"/>
+                  </a:rPr>
+                  <a:t>幫忙</a:t>
+                </a:r>
+                <a:r>
+                  <a:rPr kumimoji="0" lang="zh-TW" altLang="en-US" sz="1600" b="0" i="0" u="none" strike="noStrike" cap="none" spc="0" normalizeH="0" baseline="0" dirty="0">
+                    <a:ln>
+                      <a:noFill/>
+                    </a:ln>
+                    <a:solidFill>
+                      <a:schemeClr val="tx1">
+                        <a:alpha val="15000"/>
+                      </a:schemeClr>
+                    </a:solidFill>
+                    <a:effectLst/>
+                    <a:uFillTx/>
+                    <a:latin typeface="Helvetica Neue Bold Condensed"/>
+                    <a:ea typeface="Helvetica Neue Bold Condensed"/>
+                    <a:cs typeface="Helvetica Neue Bold Condensed"/>
+                    <a:sym typeface="Helvetica Neue Bold Condensed"/>
+                  </a:rPr>
+                  <a:t> 鐵人賽</a:t>
+                </a:r>
+                <a:endParaRPr sz="1600" dirty="0">
+                  <a:solidFill>
+                    <a:schemeClr val="tx1">
+                      <a:alpha val="15000"/>
+                    </a:schemeClr>
+                  </a:solidFill>
+                </a:endParaRPr>
+              </a:p>
+            </p:txBody>
+          </p:sp>
+          <p:sp>
+            <p:nvSpPr>
+              <p:cNvPr id="11" name="Intelligent Information Retrieval Laboratory">
+                <a:extLst>
+                  <a:ext uri="{FF2B5EF4-FFF2-40B4-BE49-F238E27FC236}">
+                    <a16:creationId xmlns:a16="http://schemas.microsoft.com/office/drawing/2014/main" id="{D8281206-D1AC-9641-9B3A-BCA0F63EF197}"/>
+                  </a:ext>
+                </a:extLst>
+              </p:cNvPr>
+              <p:cNvSpPr txBox="1"/>
+              <p:nvPr/>
+            </p:nvSpPr>
+            <p:spPr>
+              <a:xfrm>
+                <a:off x="8753784" y="4354105"/>
+                <a:ext cx="1219200" cy="183922"/>
+              </a:xfrm>
+              <a:prstGeom prst="rect">
+                <a:avLst/>
+              </a:prstGeom>
+              <a:noFill/>
+              <a:ln w="12700" cap="flat">
+                <a:noFill/>
+                <a:miter lim="400000"/>
+              </a:ln>
+              <a:effectLst/>
+              <a:extLst>
+                <a:ext uri="{C572A759-6A51-4108-AA02-DFA0A04FC94B}">
+                  <ma14:wrappingTextBoxFlag xmlns="" xmlns:m="http://schemas.openxmlformats.org/officeDocument/2006/math" xmlns:a14="http://schemas.microsoft.com/office/drawing/2010/main" xmlns:ma14="http://schemas.microsoft.com/office/mac/drawingml/2011/main" val="1"/>
+                </a:ext>
+              </a:extLst>
+            </p:spPr>
+            <p:txBody>
+              <a:bodyPr wrap="square" lIns="71437" tIns="71437" rIns="71437" bIns="71437" numCol="1" anchor="ctr">
+                <a:spAutoFit/>
+              </a:bodyPr>
+              <a:lstStyle>
+                <a:lvl1pPr algn="l" defTabSz="821531">
+                  <a:defRPr sz="2400" b="0">
+                    <a:solidFill>
+                      <a:srgbClr val="FFFFFF"/>
+                    </a:solidFill>
+                    <a:latin typeface="Helvetica Neue Bold Condensed"/>
+                    <a:ea typeface="Helvetica Neue Bold Condensed"/>
+                    <a:cs typeface="Helvetica Neue Bold Condensed"/>
+                    <a:sym typeface="Helvetica Neue Bold Condensed"/>
+                  </a:defRPr>
+                </a:lvl1pPr>
+              </a:lstStyle>
+              <a:p>
+                <a:r>
+                  <a:rPr kumimoji="0" lang="en-US" altLang="zh-TW" sz="1400" b="0" i="0" u="none" strike="noStrike" cap="none" spc="0" normalizeH="0" baseline="0" dirty="0">
+                    <a:ln>
+                      <a:noFill/>
+                    </a:ln>
+                    <a:solidFill>
+                      <a:schemeClr val="tx1">
+                        <a:alpha val="15000"/>
+                      </a:schemeClr>
+                    </a:solidFill>
+                    <a:effectLst/>
+                    <a:uFillTx/>
+                    <a:latin typeface="Helvetica Neue Bold Condensed"/>
+                    <a:ea typeface="Helvetica Neue Bold Condensed"/>
+                    <a:cs typeface="Helvetica Neue Bold Condensed"/>
+                    <a:sym typeface="Helvetica Neue Bold Condensed"/>
+                  </a:rPr>
+                  <a:t>AI &amp; Data </a:t>
+                </a:r>
+                <a:r>
+                  <a:rPr kumimoji="0" lang="zh-TW" altLang="en-US" sz="1400" b="0" i="0" u="none" strike="noStrike" cap="none" spc="0" normalizeH="0" baseline="0" dirty="0">
+                    <a:ln>
+                      <a:noFill/>
+                    </a:ln>
+                    <a:solidFill>
+                      <a:schemeClr val="tx1">
+                        <a:alpha val="15000"/>
+                      </a:schemeClr>
+                    </a:solidFill>
+                    <a:effectLst/>
+                    <a:uFillTx/>
+                    <a:latin typeface="Helvetica Neue Bold Condensed"/>
+                    <a:ea typeface="Helvetica Neue Bold Condensed"/>
+                    <a:cs typeface="Helvetica Neue Bold Condensed"/>
+                    <a:sym typeface="Helvetica Neue Bold Condensed"/>
+                  </a:rPr>
+                  <a:t>組</a:t>
+                </a:r>
+                <a:endParaRPr sz="1600" dirty="0">
+                  <a:solidFill>
+                    <a:schemeClr val="tx1">
+                      <a:alpha val="15000"/>
+                    </a:schemeClr>
+                  </a:solidFill>
+                </a:endParaRPr>
+              </a:p>
+            </p:txBody>
+          </p:sp>
+        </p:grpSp>
+        <p:grpSp>
+          <p:nvGrpSpPr>
+            <p:cNvPr id="6" name="Group 5">
+              <a:extLst>
+                <a:ext uri="{FF2B5EF4-FFF2-40B4-BE49-F238E27FC236}">
+                  <a16:creationId xmlns:a16="http://schemas.microsoft.com/office/drawing/2014/main" id="{3E72E343-94E1-5143-8536-82633863CDED}"/>
+                </a:ext>
+              </a:extLst>
+            </p:cNvPr>
+            <p:cNvGrpSpPr/>
+            <p:nvPr/>
+          </p:nvGrpSpPr>
+          <p:grpSpPr>
+            <a:xfrm>
+              <a:off x="7245205" y="4043080"/>
+              <a:ext cx="1917549" cy="892736"/>
+              <a:chOff x="3889162" y="4011274"/>
+              <a:chExt cx="1917549" cy="892736"/>
+            </a:xfrm>
+          </p:grpSpPr>
+          <p:pic>
+            <p:nvPicPr>
+              <p:cNvPr id="7" name="Picture 6">
+                <a:extLst>
+                  <a:ext uri="{FF2B5EF4-FFF2-40B4-BE49-F238E27FC236}">
+                    <a16:creationId xmlns:a16="http://schemas.microsoft.com/office/drawing/2014/main" id="{9DE3C4A8-E432-6944-9E36-E803476090ED}"/>
+                  </a:ext>
+                </a:extLst>
+              </p:cNvPr>
+              <p:cNvPicPr>
+                <a:picLocks noChangeAspect="1" noChangeArrowheads="1"/>
+              </p:cNvPicPr>
+              <p:nvPr/>
+            </p:nvPicPr>
+            <p:blipFill>
+              <a:blip r:embed="rId3">
+                <a:duotone>
+                  <a:prstClr val="black"/>
+                  <a:schemeClr val="tx1">
+                    <a:tint val="45000"/>
+                    <a:satMod val="400000"/>
+                  </a:schemeClr>
+                </a:duotone>
+                <a:alphaModFix amt="20000"/>
+              </a:blip>
+              <a:srcRect/>
+              <a:stretch/>
+            </p:blipFill>
+            <p:spPr bwMode="auto">
+              <a:xfrm>
+                <a:off x="4504801" y="4011274"/>
+                <a:ext cx="1080117" cy="892736"/>
+              </a:xfrm>
+              <a:prstGeom prst="rect">
+                <a:avLst/>
+              </a:prstGeom>
+              <a:noFill/>
+              <a:extLst>
+                <a:ext uri="{909E8E84-426E-40DD-AFC4-6F175D3DCCD1}">
+                  <a14:hiddenFill xmlns:a14="http://schemas.microsoft.com/office/drawing/2010/main">
+                    <a:solidFill>
+                      <a:srgbClr val="FFFFFF"/>
+                    </a:solidFill>
+                  </a14:hiddenFill>
+                </a:ext>
+              </a:extLst>
+            </p:spPr>
+          </p:pic>
+          <p:pic>
+            <p:nvPicPr>
+              <p:cNvPr id="8" name="Picture 4" descr="Youtube logo | Logok">
+                <a:extLst>
+                  <a:ext uri="{FF2B5EF4-FFF2-40B4-BE49-F238E27FC236}">
+                    <a16:creationId xmlns:a16="http://schemas.microsoft.com/office/drawing/2014/main" id="{9ED35E9E-DBDA-1047-A6A0-6C4D2FFDCBC5}"/>
+                  </a:ext>
+                </a:extLst>
+              </p:cNvPr>
+              <p:cNvPicPr>
+                <a:picLocks noChangeAspect="1" noChangeArrowheads="1"/>
+              </p:cNvPicPr>
+              <p:nvPr/>
+            </p:nvPicPr>
+            <p:blipFill>
+              <a:blip r:embed="rId4">
+                <a:alphaModFix amt="20000"/>
+                <a:extLst>
+                  <a:ext uri="{28A0092B-C50C-407E-A947-70E740481C1C}">
+                    <a14:useLocalDpi xmlns:a14="http://schemas.microsoft.com/office/drawing/2010/main" val="0"/>
+                  </a:ext>
+                </a:extLst>
+              </a:blip>
+              <a:srcRect/>
+              <a:stretch>
+                <a:fillRect/>
+              </a:stretch>
+            </p:blipFill>
+            <p:spPr bwMode="auto">
+              <a:xfrm>
+                <a:off x="3889162" y="4233740"/>
+                <a:ext cx="768344" cy="478652"/>
+              </a:xfrm>
+              <a:prstGeom prst="rect">
+                <a:avLst/>
+              </a:prstGeom>
+              <a:noFill/>
+              <a:extLst>
+                <a:ext uri="{909E8E84-426E-40DD-AFC4-6F175D3DCCD1}">
+                  <a14:hiddenFill xmlns:a14="http://schemas.microsoft.com/office/drawing/2010/main">
+                    <a:solidFill>
+                      <a:srgbClr val="FFFFFF"/>
+                    </a:solidFill>
+                  </a14:hiddenFill>
+                </a:ext>
+              </a:extLst>
+            </p:spPr>
+          </p:pic>
+          <p:sp>
+            <p:nvSpPr>
+              <p:cNvPr id="9" name="Intelligent Information Retrieval Laboratory">
+                <a:extLst>
+                  <a:ext uri="{FF2B5EF4-FFF2-40B4-BE49-F238E27FC236}">
+                    <a16:creationId xmlns:a16="http://schemas.microsoft.com/office/drawing/2014/main" id="{381D7481-45E8-B648-AF99-DC491147DDB9}"/>
+                  </a:ext>
+                </a:extLst>
+              </p:cNvPr>
+              <p:cNvSpPr txBox="1"/>
+              <p:nvPr/>
+            </p:nvSpPr>
+            <p:spPr>
+              <a:xfrm>
+                <a:off x="4587511" y="4365368"/>
+                <a:ext cx="1219200" cy="215396"/>
+              </a:xfrm>
+              <a:prstGeom prst="rect">
+                <a:avLst/>
+              </a:prstGeom>
+              <a:noFill/>
+              <a:ln w="12700" cap="flat">
+                <a:noFill/>
+                <a:miter lim="400000"/>
+              </a:ln>
+              <a:effectLst/>
+              <a:extLst>
+                <a:ext uri="{C572A759-6A51-4108-AA02-DFA0A04FC94B}">
+                  <ma14:wrappingTextBoxFlag xmlns="" xmlns:m="http://schemas.openxmlformats.org/officeDocument/2006/math" xmlns:a14="http://schemas.microsoft.com/office/drawing/2010/main" xmlns:ma14="http://schemas.microsoft.com/office/mac/drawingml/2011/main" val="1"/>
+                </a:ext>
+              </a:extLst>
+            </p:spPr>
+            <p:txBody>
+              <a:bodyPr wrap="square" lIns="71437" tIns="71437" rIns="71437" bIns="71437" numCol="1" anchor="ctr">
+                <a:spAutoFit/>
+              </a:bodyPr>
+              <a:lstStyle>
+                <a:lvl1pPr algn="l" defTabSz="821531">
+                  <a:defRPr sz="2400" b="0">
+                    <a:solidFill>
+                      <a:srgbClr val="FFFFFF"/>
+                    </a:solidFill>
+                    <a:latin typeface="Helvetica Neue Bold Condensed"/>
+                    <a:ea typeface="Helvetica Neue Bold Condensed"/>
+                    <a:cs typeface="Helvetica Neue Bold Condensed"/>
+                    <a:sym typeface="Helvetica Neue Bold Condensed"/>
+                  </a:defRPr>
+                </a:lvl1pPr>
+              </a:lstStyle>
+              <a:p>
+                <a:r>
+                  <a:rPr kumimoji="0" lang="en-US" altLang="zh-TW" sz="1800" b="0" i="0" u="none" strike="noStrike" cap="none" spc="0" normalizeH="0" baseline="0" dirty="0">
+                    <a:ln>
+                      <a:noFill/>
+                    </a:ln>
+                    <a:solidFill>
+                      <a:schemeClr val="tx1">
+                        <a:alpha val="15000"/>
+                      </a:schemeClr>
+                    </a:solidFill>
+                    <a:effectLst/>
+                    <a:uFillTx/>
+                    <a:latin typeface="Helvetica Neue Bold Condensed"/>
+                    <a:ea typeface="Helvetica Neue Bold Condensed"/>
+                    <a:cs typeface="Helvetica Neue Bold Condensed"/>
+                    <a:sym typeface="Helvetica Neue Bold Condensed"/>
+                  </a:rPr>
+                  <a:t>10</a:t>
+                </a:r>
+                <a:r>
+                  <a:rPr kumimoji="0" lang="zh-TW" altLang="en-US" sz="1800" b="0" i="0" u="none" strike="noStrike" cap="none" spc="0" normalizeH="0" baseline="0" dirty="0">
+                    <a:ln>
+                      <a:noFill/>
+                    </a:ln>
+                    <a:solidFill>
+                      <a:schemeClr val="tx1">
+                        <a:alpha val="15000"/>
+                      </a:schemeClr>
+                    </a:solidFill>
+                    <a:effectLst/>
+                    <a:uFillTx/>
+                    <a:sym typeface="Helvetica Neue Bold Condensed"/>
+                  </a:rPr>
+                  <a:t>程式中</a:t>
+                </a:r>
+                <a:endParaRPr sz="2000" dirty="0">
+                  <a:solidFill>
+                    <a:schemeClr val="tx1">
+                      <a:alpha val="15000"/>
+                    </a:schemeClr>
+                  </a:solidFill>
+                </a:endParaRPr>
+              </a:p>
+            </p:txBody>
+          </p:sp>
+        </p:grpSp>
+      </p:grpSp>
+    </p:spTree>
+    <p:extLst>
+      <p:ext uri="{BB962C8B-B14F-4D97-AF65-F5344CB8AC3E}">
+        <p14:creationId xmlns:p14="http://schemas.microsoft.com/office/powerpoint/2010/main" val="4011725471"/>
       </p:ext>
     </p:extLst>
   </p:cSld>
